--- a/Credit Rating Agencies.pptx
+++ b/Credit Rating Agencies.pptx
@@ -4,6 +4,9 @@
   <p:sldMasterIdLst>
     <p:sldMasterId id="2147483660" r:id="rId1"/>
   </p:sldMasterIdLst>
+  <p:notesMasterIdLst>
+    <p:notesMasterId r:id="rId9"/>
+  </p:notesMasterIdLst>
   <p:sldIdLst>
     <p:sldId id="256" r:id="rId2"/>
     <p:sldId id="257" r:id="rId3"/>
@@ -118,6 +121,882 @@
 </p:presentation>
 </file>
 
+<file path=ppt/notesMasters/notesMaster1.xml><?xml version="1.0" encoding="utf-8"?>
+<p:notesMaster xmlns:a="http://schemas.openxmlformats.org/drawingml/2006/main" xmlns:r="http://schemas.openxmlformats.org/officeDocument/2006/relationships" xmlns:p="http://schemas.openxmlformats.org/presentationml/2006/main">
+  <p:cSld>
+    <p:bg>
+      <p:bgRef idx="1001">
+        <a:schemeClr val="bg1"/>
+      </p:bgRef>
+    </p:bg>
+    <p:spTree>
+      <p:nvGrpSpPr>
+        <p:cNvPr id="1" name=""/>
+        <p:cNvGrpSpPr/>
+        <p:nvPr/>
+      </p:nvGrpSpPr>
+      <p:grpSpPr>
+        <a:xfrm>
+          <a:off x="0" y="0"/>
+          <a:ext cx="0" cy="0"/>
+          <a:chOff x="0" y="0"/>
+          <a:chExt cx="0" cy="0"/>
+        </a:xfrm>
+      </p:grpSpPr>
+      <p:sp>
+        <p:nvSpPr>
+          <p:cNvPr id="2" name="Espace réservé de l'en-tête 1"/>
+          <p:cNvSpPr>
+            <a:spLocks noGrp="1"/>
+          </p:cNvSpPr>
+          <p:nvPr>
+            <p:ph type="hdr" sz="quarter"/>
+          </p:nvPr>
+        </p:nvSpPr>
+        <p:spPr>
+          <a:xfrm>
+            <a:off x="0" y="0"/>
+            <a:ext cx="2971800" cy="458788"/>
+          </a:xfrm>
+          <a:prstGeom prst="rect">
+            <a:avLst/>
+          </a:prstGeom>
+        </p:spPr>
+        <p:txBody>
+          <a:bodyPr vert="horz" lIns="91440" tIns="45720" rIns="91440" bIns="45720" rtlCol="0"/>
+          <a:lstStyle>
+            <a:lvl1pPr algn="l">
+              <a:defRPr sz="1200"/>
+            </a:lvl1pPr>
+          </a:lstStyle>
+          <a:p>
+            <a:endParaRPr lang="fr-FR"/>
+          </a:p>
+        </p:txBody>
+      </p:sp>
+      <p:sp>
+        <p:nvSpPr>
+          <p:cNvPr id="3" name="Espace réservé de la date 2"/>
+          <p:cNvSpPr>
+            <a:spLocks noGrp="1"/>
+          </p:cNvSpPr>
+          <p:nvPr>
+            <p:ph type="dt" idx="1"/>
+          </p:nvPr>
+        </p:nvSpPr>
+        <p:spPr>
+          <a:xfrm>
+            <a:off x="3884613" y="0"/>
+            <a:ext cx="2971800" cy="458788"/>
+          </a:xfrm>
+          <a:prstGeom prst="rect">
+            <a:avLst/>
+          </a:prstGeom>
+        </p:spPr>
+        <p:txBody>
+          <a:bodyPr vert="horz" lIns="91440" tIns="45720" rIns="91440" bIns="45720" rtlCol="0"/>
+          <a:lstStyle>
+            <a:lvl1pPr algn="r">
+              <a:defRPr sz="1200"/>
+            </a:lvl1pPr>
+          </a:lstStyle>
+          <a:p>
+            <a:fld id="{50CDCFCB-7150-4CCF-9290-2D01D7202D92}" type="datetimeFigureOut">
+              <a:rPr lang="fr-FR" smtClean="0"/>
+              <a:t>07/11/2024</a:t>
+            </a:fld>
+            <a:endParaRPr lang="fr-FR"/>
+          </a:p>
+        </p:txBody>
+      </p:sp>
+      <p:sp>
+        <p:nvSpPr>
+          <p:cNvPr id="4" name="Espace réservé de l'image des diapositives 3"/>
+          <p:cNvSpPr>
+            <a:spLocks noGrp="1" noRot="1" noChangeAspect="1"/>
+          </p:cNvSpPr>
+          <p:nvPr>
+            <p:ph type="sldImg" idx="2"/>
+          </p:nvPr>
+        </p:nvSpPr>
+        <p:spPr>
+          <a:xfrm>
+            <a:off x="685800" y="1143000"/>
+            <a:ext cx="5486400" cy="3086100"/>
+          </a:xfrm>
+          <a:prstGeom prst="rect">
+            <a:avLst/>
+          </a:prstGeom>
+          <a:noFill/>
+          <a:ln w="12700">
+            <a:solidFill>
+              <a:prstClr val="black"/>
+            </a:solidFill>
+          </a:ln>
+        </p:spPr>
+        <p:txBody>
+          <a:bodyPr vert="horz" lIns="91440" tIns="45720" rIns="91440" bIns="45720" rtlCol="0" anchor="ctr"/>
+          <a:lstStyle/>
+          <a:p>
+            <a:endParaRPr lang="fr-FR"/>
+          </a:p>
+        </p:txBody>
+      </p:sp>
+      <p:sp>
+        <p:nvSpPr>
+          <p:cNvPr id="5" name="Espace réservé des notes 4"/>
+          <p:cNvSpPr>
+            <a:spLocks noGrp="1"/>
+          </p:cNvSpPr>
+          <p:nvPr>
+            <p:ph type="body" sz="quarter" idx="3"/>
+          </p:nvPr>
+        </p:nvSpPr>
+        <p:spPr>
+          <a:xfrm>
+            <a:off x="685800" y="4400550"/>
+            <a:ext cx="5486400" cy="3600450"/>
+          </a:xfrm>
+          <a:prstGeom prst="rect">
+            <a:avLst/>
+          </a:prstGeom>
+        </p:spPr>
+        <p:txBody>
+          <a:bodyPr vert="horz" lIns="91440" tIns="45720" rIns="91440" bIns="45720" rtlCol="0"/>
+          <a:lstStyle/>
+          <a:p>
+            <a:pPr lvl="0"/>
+            <a:r>
+              <a:rPr lang="fr-FR"/>
+              <a:t>Cliquez pour modifier les styles du texte du masque</a:t>
+            </a:r>
+          </a:p>
+          <a:p>
+            <a:pPr lvl="1"/>
+            <a:r>
+              <a:rPr lang="fr-FR"/>
+              <a:t>Deuxième niveau</a:t>
+            </a:r>
+          </a:p>
+          <a:p>
+            <a:pPr lvl="2"/>
+            <a:r>
+              <a:rPr lang="fr-FR"/>
+              <a:t>Troisième niveau</a:t>
+            </a:r>
+          </a:p>
+          <a:p>
+            <a:pPr lvl="3"/>
+            <a:r>
+              <a:rPr lang="fr-FR"/>
+              <a:t>Quatrième niveau</a:t>
+            </a:r>
+          </a:p>
+          <a:p>
+            <a:pPr lvl="4"/>
+            <a:r>
+              <a:rPr lang="fr-FR"/>
+              <a:t>Cinquième niveau</a:t>
+            </a:r>
+          </a:p>
+        </p:txBody>
+      </p:sp>
+      <p:sp>
+        <p:nvSpPr>
+          <p:cNvPr id="6" name="Espace réservé du pied de page 5"/>
+          <p:cNvSpPr>
+            <a:spLocks noGrp="1"/>
+          </p:cNvSpPr>
+          <p:nvPr>
+            <p:ph type="ftr" sz="quarter" idx="4"/>
+          </p:nvPr>
+        </p:nvSpPr>
+        <p:spPr>
+          <a:xfrm>
+            <a:off x="0" y="8685213"/>
+            <a:ext cx="2971800" cy="458787"/>
+          </a:xfrm>
+          <a:prstGeom prst="rect">
+            <a:avLst/>
+          </a:prstGeom>
+        </p:spPr>
+        <p:txBody>
+          <a:bodyPr vert="horz" lIns="91440" tIns="45720" rIns="91440" bIns="45720" rtlCol="0" anchor="b"/>
+          <a:lstStyle>
+            <a:lvl1pPr algn="l">
+              <a:defRPr sz="1200"/>
+            </a:lvl1pPr>
+          </a:lstStyle>
+          <a:p>
+            <a:endParaRPr lang="fr-FR"/>
+          </a:p>
+        </p:txBody>
+      </p:sp>
+      <p:sp>
+        <p:nvSpPr>
+          <p:cNvPr id="7" name="Espace réservé du numéro de diapositive 6"/>
+          <p:cNvSpPr>
+            <a:spLocks noGrp="1"/>
+          </p:cNvSpPr>
+          <p:nvPr>
+            <p:ph type="sldNum" sz="quarter" idx="5"/>
+          </p:nvPr>
+        </p:nvSpPr>
+        <p:spPr>
+          <a:xfrm>
+            <a:off x="3884613" y="8685213"/>
+            <a:ext cx="2971800" cy="458787"/>
+          </a:xfrm>
+          <a:prstGeom prst="rect">
+            <a:avLst/>
+          </a:prstGeom>
+        </p:spPr>
+        <p:txBody>
+          <a:bodyPr vert="horz" lIns="91440" tIns="45720" rIns="91440" bIns="45720" rtlCol="0" anchor="b"/>
+          <a:lstStyle>
+            <a:lvl1pPr algn="r">
+              <a:defRPr sz="1200"/>
+            </a:lvl1pPr>
+          </a:lstStyle>
+          <a:p>
+            <a:fld id="{36442E4D-59B4-4F94-8EF0-AE81CD3F9439}" type="slidenum">
+              <a:rPr lang="fr-FR" smtClean="0"/>
+              <a:t>‹N°›</a:t>
+            </a:fld>
+            <a:endParaRPr lang="fr-FR"/>
+          </a:p>
+        </p:txBody>
+      </p:sp>
+    </p:spTree>
+    <p:extLst>
+      <p:ext uri="{BB962C8B-B14F-4D97-AF65-F5344CB8AC3E}">
+        <p14:creationId xmlns:p14="http://schemas.microsoft.com/office/powerpoint/2010/main" val="485786021"/>
+      </p:ext>
+    </p:extLst>
+  </p:cSld>
+  <p:clrMap bg1="lt1" tx1="dk1" bg2="lt2" tx2="dk2" accent1="accent1" accent2="accent2" accent3="accent3" accent4="accent4" accent5="accent5" accent6="accent6" hlink="hlink" folHlink="folHlink"/>
+  <p:notesStyle>
+    <a:lvl1pPr marL="0" algn="l" defTabSz="914400" rtl="0" eaLnBrk="1" latinLnBrk="0" hangingPunct="1">
+      <a:defRPr sz="1200" kern="1200">
+        <a:solidFill>
+          <a:schemeClr val="tx1"/>
+        </a:solidFill>
+        <a:latin typeface="+mn-lt"/>
+        <a:ea typeface="+mn-ea"/>
+        <a:cs typeface="+mn-cs"/>
+      </a:defRPr>
+    </a:lvl1pPr>
+    <a:lvl2pPr marL="457200" algn="l" defTabSz="914400" rtl="0" eaLnBrk="1" latinLnBrk="0" hangingPunct="1">
+      <a:defRPr sz="1200" kern="1200">
+        <a:solidFill>
+          <a:schemeClr val="tx1"/>
+        </a:solidFill>
+        <a:latin typeface="+mn-lt"/>
+        <a:ea typeface="+mn-ea"/>
+        <a:cs typeface="+mn-cs"/>
+      </a:defRPr>
+    </a:lvl2pPr>
+    <a:lvl3pPr marL="914400" algn="l" defTabSz="914400" rtl="0" eaLnBrk="1" latinLnBrk="0" hangingPunct="1">
+      <a:defRPr sz="1200" kern="1200">
+        <a:solidFill>
+          <a:schemeClr val="tx1"/>
+        </a:solidFill>
+        <a:latin typeface="+mn-lt"/>
+        <a:ea typeface="+mn-ea"/>
+        <a:cs typeface="+mn-cs"/>
+      </a:defRPr>
+    </a:lvl3pPr>
+    <a:lvl4pPr marL="1371600" algn="l" defTabSz="914400" rtl="0" eaLnBrk="1" latinLnBrk="0" hangingPunct="1">
+      <a:defRPr sz="1200" kern="1200">
+        <a:solidFill>
+          <a:schemeClr val="tx1"/>
+        </a:solidFill>
+        <a:latin typeface="+mn-lt"/>
+        <a:ea typeface="+mn-ea"/>
+        <a:cs typeface="+mn-cs"/>
+      </a:defRPr>
+    </a:lvl4pPr>
+    <a:lvl5pPr marL="1828800" algn="l" defTabSz="914400" rtl="0" eaLnBrk="1" latinLnBrk="0" hangingPunct="1">
+      <a:defRPr sz="1200" kern="1200">
+        <a:solidFill>
+          <a:schemeClr val="tx1"/>
+        </a:solidFill>
+        <a:latin typeface="+mn-lt"/>
+        <a:ea typeface="+mn-ea"/>
+        <a:cs typeface="+mn-cs"/>
+      </a:defRPr>
+    </a:lvl5pPr>
+    <a:lvl6pPr marL="2286000" algn="l" defTabSz="914400" rtl="0" eaLnBrk="1" latinLnBrk="0" hangingPunct="1">
+      <a:defRPr sz="1200" kern="1200">
+        <a:solidFill>
+          <a:schemeClr val="tx1"/>
+        </a:solidFill>
+        <a:latin typeface="+mn-lt"/>
+        <a:ea typeface="+mn-ea"/>
+        <a:cs typeface="+mn-cs"/>
+      </a:defRPr>
+    </a:lvl6pPr>
+    <a:lvl7pPr marL="2743200" algn="l" defTabSz="914400" rtl="0" eaLnBrk="1" latinLnBrk="0" hangingPunct="1">
+      <a:defRPr sz="1200" kern="1200">
+        <a:solidFill>
+          <a:schemeClr val="tx1"/>
+        </a:solidFill>
+        <a:latin typeface="+mn-lt"/>
+        <a:ea typeface="+mn-ea"/>
+        <a:cs typeface="+mn-cs"/>
+      </a:defRPr>
+    </a:lvl7pPr>
+    <a:lvl8pPr marL="3200400" algn="l" defTabSz="914400" rtl="0" eaLnBrk="1" latinLnBrk="0" hangingPunct="1">
+      <a:defRPr sz="1200" kern="1200">
+        <a:solidFill>
+          <a:schemeClr val="tx1"/>
+        </a:solidFill>
+        <a:latin typeface="+mn-lt"/>
+        <a:ea typeface="+mn-ea"/>
+        <a:cs typeface="+mn-cs"/>
+      </a:defRPr>
+    </a:lvl8pPr>
+    <a:lvl9pPr marL="3657600" algn="l" defTabSz="914400" rtl="0" eaLnBrk="1" latinLnBrk="0" hangingPunct="1">
+      <a:defRPr sz="1200" kern="1200">
+        <a:solidFill>
+          <a:schemeClr val="tx1"/>
+        </a:solidFill>
+        <a:latin typeface="+mn-lt"/>
+        <a:ea typeface="+mn-ea"/>
+        <a:cs typeface="+mn-cs"/>
+      </a:defRPr>
+    </a:lvl9pPr>
+  </p:notesStyle>
+</p:notesMaster>
+</file>
+
+<file path=ppt/notesSlides/notesSlide1.xml><?xml version="1.0" encoding="utf-8"?>
+<p:notes xmlns:a="http://schemas.openxmlformats.org/drawingml/2006/main" xmlns:r="http://schemas.openxmlformats.org/officeDocument/2006/relationships" xmlns:p="http://schemas.openxmlformats.org/presentationml/2006/main">
+  <p:cSld>
+    <p:spTree>
+      <p:nvGrpSpPr>
+        <p:cNvPr id="1" name=""/>
+        <p:cNvGrpSpPr/>
+        <p:nvPr/>
+      </p:nvGrpSpPr>
+      <p:grpSpPr>
+        <a:xfrm>
+          <a:off x="0" y="0"/>
+          <a:ext cx="0" cy="0"/>
+          <a:chOff x="0" y="0"/>
+          <a:chExt cx="0" cy="0"/>
+        </a:xfrm>
+      </p:grpSpPr>
+      <p:sp>
+        <p:nvSpPr>
+          <p:cNvPr id="2" name="Espace réservé de l'image des diapositives 1"/>
+          <p:cNvSpPr>
+            <a:spLocks noGrp="1" noRot="1" noChangeAspect="1"/>
+          </p:cNvSpPr>
+          <p:nvPr>
+            <p:ph type="sldImg"/>
+          </p:nvPr>
+        </p:nvSpPr>
+        <p:spPr/>
+      </p:sp>
+      <p:sp>
+        <p:nvSpPr>
+          <p:cNvPr id="3" name="Espace réservé des notes 2"/>
+          <p:cNvSpPr>
+            <a:spLocks noGrp="1"/>
+          </p:cNvSpPr>
+          <p:nvPr>
+            <p:ph type="body" idx="1"/>
+          </p:nvPr>
+        </p:nvSpPr>
+        <p:spPr/>
+        <p:txBody>
+          <a:bodyPr/>
+          <a:lstStyle/>
+          <a:p>
+            <a:pPr>
+              <a:lnSpc>
+                <a:spcPct val="107000"/>
+              </a:lnSpc>
+              <a:spcAft>
+                <a:spcPts val="800"/>
+              </a:spcAft>
+            </a:pPr>
+            <a:r>
+              <a:rPr lang="en-US" sz="1800" kern="100" dirty="0">
+                <a:effectLst/>
+                <a:latin typeface="Aptos" panose="020B0004020202020204" pitchFamily="34" charset="0"/>
+                <a:ea typeface="Aptos" panose="020B0004020202020204" pitchFamily="34" charset="0"/>
+                <a:cs typeface="Arial" panose="020B0604020202020204" pitchFamily="34" charset="0"/>
+              </a:rPr>
+              <a:t>A rating agency assesses the ability of a borrower—be it a company, a state, or a local authority—to repay its debt. The three main agencies are Moody's Investor Service (Moody's), Fitch Ratings (Fitch), and Standard &amp; Poor's. Recently, Scope Ratings, a European agency, has been approved by the European Central Bank.</a:t>
+            </a:r>
+            <a:endParaRPr lang="fr-FR" sz="1800" kern="100" dirty="0">
+              <a:effectLst/>
+              <a:latin typeface="Aptos" panose="020B0004020202020204" pitchFamily="34" charset="0"/>
+              <a:ea typeface="Aptos" panose="020B0004020202020204" pitchFamily="34" charset="0"/>
+              <a:cs typeface="Arial" panose="020B0604020202020204" pitchFamily="34" charset="0"/>
+            </a:endParaRPr>
+          </a:p>
+          <a:p>
+            <a:pPr>
+              <a:lnSpc>
+                <a:spcPct val="107000"/>
+              </a:lnSpc>
+              <a:spcAft>
+                <a:spcPts val="800"/>
+              </a:spcAft>
+            </a:pPr>
+            <a:r>
+              <a:rPr lang="en-US" sz="1800" kern="100" dirty="0">
+                <a:effectLst/>
+                <a:latin typeface="Aptos" panose="020B0004020202020204" pitchFamily="34" charset="0"/>
+                <a:ea typeface="Aptos" panose="020B0004020202020204" pitchFamily="34" charset="0"/>
+                <a:cs typeface="Arial" panose="020B0604020202020204" pitchFamily="34" charset="0"/>
+              </a:rPr>
+              <a:t>Rating agencies exist because risk comes at a price, known as the risk premium, which is added to the interest on a debt. The riskier a debt security is, the lower its rating will be. Thus, the rating assigned by a rating agency directly influences the price of the debt.</a:t>
+            </a:r>
+            <a:endParaRPr lang="fr-FR" sz="1800" kern="100" dirty="0">
+              <a:effectLst/>
+              <a:latin typeface="Aptos" panose="020B0004020202020204" pitchFamily="34" charset="0"/>
+              <a:ea typeface="Aptos" panose="020B0004020202020204" pitchFamily="34" charset="0"/>
+              <a:cs typeface="Arial" panose="020B0604020202020204" pitchFamily="34" charset="0"/>
+            </a:endParaRPr>
+          </a:p>
+          <a:p>
+            <a:pPr>
+              <a:lnSpc>
+                <a:spcPct val="107000"/>
+              </a:lnSpc>
+              <a:spcAft>
+                <a:spcPts val="800"/>
+              </a:spcAft>
+            </a:pPr>
+            <a:r>
+              <a:rPr lang="en-US" sz="1800" kern="100" dirty="0">
+                <a:effectLst/>
+                <a:latin typeface="Aptos" panose="020B0004020202020204" pitchFamily="34" charset="0"/>
+                <a:ea typeface="Aptos" panose="020B0004020202020204" pitchFamily="34" charset="0"/>
+                <a:cs typeface="Arial" panose="020B0604020202020204" pitchFamily="34" charset="0"/>
+              </a:rPr>
+              <a:t>The highest rating is triple A. In response to criticism aimed at these agencies, the European Union has implemented stricter regulations for them since 2008.</a:t>
+            </a:r>
+            <a:endParaRPr lang="fr-FR" sz="1800" kern="100" dirty="0">
+              <a:effectLst/>
+              <a:latin typeface="Aptos" panose="020B0004020202020204" pitchFamily="34" charset="0"/>
+              <a:ea typeface="Aptos" panose="020B0004020202020204" pitchFamily="34" charset="0"/>
+              <a:cs typeface="Arial" panose="020B0604020202020204" pitchFamily="34" charset="0"/>
+            </a:endParaRPr>
+          </a:p>
+          <a:p>
+            <a:endParaRPr lang="fr-FR" dirty="0"/>
+          </a:p>
+        </p:txBody>
+      </p:sp>
+      <p:sp>
+        <p:nvSpPr>
+          <p:cNvPr id="4" name="Espace réservé du numéro de diapositive 3"/>
+          <p:cNvSpPr>
+            <a:spLocks noGrp="1"/>
+          </p:cNvSpPr>
+          <p:nvPr>
+            <p:ph type="sldNum" sz="quarter" idx="5"/>
+          </p:nvPr>
+        </p:nvSpPr>
+        <p:spPr/>
+        <p:txBody>
+          <a:bodyPr/>
+          <a:lstStyle/>
+          <a:p>
+            <a:fld id="{36442E4D-59B4-4F94-8EF0-AE81CD3F9439}" type="slidenum">
+              <a:rPr lang="fr-FR" smtClean="0"/>
+              <a:t>1</a:t>
+            </a:fld>
+            <a:endParaRPr lang="fr-FR"/>
+          </a:p>
+        </p:txBody>
+      </p:sp>
+    </p:spTree>
+    <p:extLst>
+      <p:ext uri="{BB962C8B-B14F-4D97-AF65-F5344CB8AC3E}">
+        <p14:creationId xmlns:p14="http://schemas.microsoft.com/office/powerpoint/2010/main" val="1435102682"/>
+      </p:ext>
+    </p:extLst>
+  </p:cSld>
+  <p:clrMapOvr>
+    <a:masterClrMapping/>
+  </p:clrMapOvr>
+</p:notes>
+</file>
+
+<file path=ppt/notesSlides/notesSlide2.xml><?xml version="1.0" encoding="utf-8"?>
+<p:notes xmlns:a="http://schemas.openxmlformats.org/drawingml/2006/main" xmlns:r="http://schemas.openxmlformats.org/officeDocument/2006/relationships" xmlns:p="http://schemas.openxmlformats.org/presentationml/2006/main">
+  <p:cSld>
+    <p:spTree>
+      <p:nvGrpSpPr>
+        <p:cNvPr id="1" name=""/>
+        <p:cNvGrpSpPr/>
+        <p:nvPr/>
+      </p:nvGrpSpPr>
+      <p:grpSpPr>
+        <a:xfrm>
+          <a:off x="0" y="0"/>
+          <a:ext cx="0" cy="0"/>
+          <a:chOff x="0" y="0"/>
+          <a:chExt cx="0" cy="0"/>
+        </a:xfrm>
+      </p:grpSpPr>
+      <p:sp>
+        <p:nvSpPr>
+          <p:cNvPr id="2" name="Espace réservé de l'image des diapositives 1"/>
+          <p:cNvSpPr>
+            <a:spLocks noGrp="1" noRot="1" noChangeAspect="1"/>
+          </p:cNvSpPr>
+          <p:nvPr>
+            <p:ph type="sldImg"/>
+          </p:nvPr>
+        </p:nvSpPr>
+        <p:spPr/>
+      </p:sp>
+      <p:sp>
+        <p:nvSpPr>
+          <p:cNvPr id="3" name="Espace réservé des notes 2"/>
+          <p:cNvSpPr>
+            <a:spLocks noGrp="1"/>
+          </p:cNvSpPr>
+          <p:nvPr>
+            <p:ph type="body" idx="1"/>
+          </p:nvPr>
+        </p:nvSpPr>
+        <p:spPr/>
+        <p:txBody>
+          <a:bodyPr/>
+          <a:lstStyle/>
+          <a:p>
+            <a:pPr>
+              <a:lnSpc>
+                <a:spcPct val="107000"/>
+              </a:lnSpc>
+              <a:spcAft>
+                <a:spcPts val="800"/>
+              </a:spcAft>
+            </a:pPr>
+            <a:r>
+              <a:rPr lang="en-US" sz="1800" kern="100" dirty="0">
+                <a:effectLst/>
+                <a:latin typeface="Aptos" panose="020B0004020202020204" pitchFamily="34" charset="0"/>
+                <a:ea typeface="Aptos" panose="020B0004020202020204" pitchFamily="34" charset="0"/>
+                <a:cs typeface="Arial" panose="020B0604020202020204" pitchFamily="34" charset="0"/>
+              </a:rPr>
+              <a:t>Credit rating agencies (CRAs) are private companies whose main activity is to evaluate the ability of debt issuers (such as companies, states, and local authorities) to meet their financial obligations. They exist because risk has a price, known as the risk premium, which is added to the interest on a debt. The role of these agencies is to assess this risk premium.</a:t>
+            </a:r>
+            <a:endParaRPr lang="fr-FR" sz="1800" kern="100" dirty="0">
+              <a:effectLst/>
+              <a:latin typeface="Aptos" panose="020B0004020202020204" pitchFamily="34" charset="0"/>
+              <a:ea typeface="Aptos" panose="020B0004020202020204" pitchFamily="34" charset="0"/>
+              <a:cs typeface="Arial" panose="020B0604020202020204" pitchFamily="34" charset="0"/>
+            </a:endParaRPr>
+          </a:p>
+          <a:p>
+            <a:pPr>
+              <a:lnSpc>
+                <a:spcPct val="107000"/>
+              </a:lnSpc>
+              <a:spcAft>
+                <a:spcPts val="800"/>
+              </a:spcAft>
+            </a:pPr>
+            <a:r>
+              <a:rPr lang="en-US" sz="1800" kern="100" dirty="0">
+                <a:effectLst/>
+                <a:latin typeface="Aptos" panose="020B0004020202020204" pitchFamily="34" charset="0"/>
+                <a:ea typeface="Aptos" panose="020B0004020202020204" pitchFamily="34" charset="0"/>
+                <a:cs typeface="Arial" panose="020B0604020202020204" pitchFamily="34" charset="0"/>
+              </a:rPr>
+              <a:t>The first rating agencies emerged in the 1920s. Their activity of selling financial information is similar to that of financial analysts. Following the 1929 crisis, these agencies began to focus on analyzing the credit quality of issuers or borrowers. The three main agencies are Moody’s Investor Service (Moody’s), Fitch Ratings (Fitch), and Standard &amp; Poor’s (S&amp;P).</a:t>
+            </a:r>
+            <a:endParaRPr lang="fr-FR" sz="1800" kern="100" dirty="0">
+              <a:effectLst/>
+              <a:latin typeface="Aptos" panose="020B0004020202020204" pitchFamily="34" charset="0"/>
+              <a:ea typeface="Aptos" panose="020B0004020202020204" pitchFamily="34" charset="0"/>
+              <a:cs typeface="Arial" panose="020B0604020202020204" pitchFamily="34" charset="0"/>
+            </a:endParaRPr>
+          </a:p>
+          <a:p>
+            <a:pPr>
+              <a:lnSpc>
+                <a:spcPct val="107000"/>
+              </a:lnSpc>
+              <a:spcAft>
+                <a:spcPts val="800"/>
+              </a:spcAft>
+            </a:pPr>
+            <a:r>
+              <a:rPr lang="en-US" sz="1800" kern="100" dirty="0">
+                <a:effectLst/>
+                <a:latin typeface="Aptos" panose="020B0004020202020204" pitchFamily="34" charset="0"/>
+                <a:ea typeface="Aptos" panose="020B0004020202020204" pitchFamily="34" charset="0"/>
+                <a:cs typeface="Arial" panose="020B0604020202020204" pitchFamily="34" charset="0"/>
+              </a:rPr>
+              <a:t>Various financial scandals (such as the Enron case in 2001 and the financial crisis of 2007-2008, which affected the U.S. mortgage sector, known as the subprime crisis) have highlighted the risks associated with the role of rating agencies in the financial system.</a:t>
+            </a:r>
+            <a:endParaRPr lang="fr-FR" sz="1800" kern="100" dirty="0">
+              <a:effectLst/>
+              <a:latin typeface="Aptos" panose="020B0004020202020204" pitchFamily="34" charset="0"/>
+              <a:ea typeface="Aptos" panose="020B0004020202020204" pitchFamily="34" charset="0"/>
+              <a:cs typeface="Arial" panose="020B0604020202020204" pitchFamily="34" charset="0"/>
+            </a:endParaRPr>
+          </a:p>
+          <a:p>
+            <a:endParaRPr lang="fr-FR" dirty="0"/>
+          </a:p>
+        </p:txBody>
+      </p:sp>
+      <p:sp>
+        <p:nvSpPr>
+          <p:cNvPr id="4" name="Espace réservé du numéro de diapositive 3"/>
+          <p:cNvSpPr>
+            <a:spLocks noGrp="1"/>
+          </p:cNvSpPr>
+          <p:nvPr>
+            <p:ph type="sldNum" sz="quarter" idx="5"/>
+          </p:nvPr>
+        </p:nvSpPr>
+        <p:spPr/>
+        <p:txBody>
+          <a:bodyPr/>
+          <a:lstStyle/>
+          <a:p>
+            <a:fld id="{36442E4D-59B4-4F94-8EF0-AE81CD3F9439}" type="slidenum">
+              <a:rPr lang="fr-FR" smtClean="0"/>
+              <a:t>2</a:t>
+            </a:fld>
+            <a:endParaRPr lang="fr-FR"/>
+          </a:p>
+        </p:txBody>
+      </p:sp>
+    </p:spTree>
+    <p:extLst>
+      <p:ext uri="{BB962C8B-B14F-4D97-AF65-F5344CB8AC3E}">
+        <p14:creationId xmlns:p14="http://schemas.microsoft.com/office/powerpoint/2010/main" val="469191923"/>
+      </p:ext>
+    </p:extLst>
+  </p:cSld>
+  <p:clrMapOvr>
+    <a:masterClrMapping/>
+  </p:clrMapOvr>
+</p:notes>
+</file>
+
+<file path=ppt/notesSlides/notesSlide3.xml><?xml version="1.0" encoding="utf-8"?>
+<p:notes xmlns:a="http://schemas.openxmlformats.org/drawingml/2006/main" xmlns:r="http://schemas.openxmlformats.org/officeDocument/2006/relationships" xmlns:p="http://schemas.openxmlformats.org/presentationml/2006/main">
+  <p:cSld>
+    <p:spTree>
+      <p:nvGrpSpPr>
+        <p:cNvPr id="1" name=""/>
+        <p:cNvGrpSpPr/>
+        <p:nvPr/>
+      </p:nvGrpSpPr>
+      <p:grpSpPr>
+        <a:xfrm>
+          <a:off x="0" y="0"/>
+          <a:ext cx="0" cy="0"/>
+          <a:chOff x="0" y="0"/>
+          <a:chExt cx="0" cy="0"/>
+        </a:xfrm>
+      </p:grpSpPr>
+      <p:sp>
+        <p:nvSpPr>
+          <p:cNvPr id="2" name="Espace réservé de l'image des diapositives 1"/>
+          <p:cNvSpPr>
+            <a:spLocks noGrp="1" noRot="1" noChangeAspect="1"/>
+          </p:cNvSpPr>
+          <p:nvPr>
+            <p:ph type="sldImg"/>
+          </p:nvPr>
+        </p:nvSpPr>
+        <p:spPr/>
+      </p:sp>
+      <p:sp>
+        <p:nvSpPr>
+          <p:cNvPr id="3" name="Espace réservé des notes 2"/>
+          <p:cNvSpPr>
+            <a:spLocks noGrp="1"/>
+          </p:cNvSpPr>
+          <p:nvPr>
+            <p:ph type="body" idx="1"/>
+          </p:nvPr>
+        </p:nvSpPr>
+        <p:spPr/>
+        <p:txBody>
+          <a:bodyPr/>
+          <a:lstStyle/>
+          <a:p>
+            <a:pPr>
+              <a:lnSpc>
+                <a:spcPct val="107000"/>
+              </a:lnSpc>
+              <a:spcAft>
+                <a:spcPts val="800"/>
+              </a:spcAft>
+            </a:pPr>
+            <a:r>
+              <a:rPr lang="en-US" sz="1800" kern="100" dirty="0">
+                <a:effectLst/>
+                <a:latin typeface="Aptos" panose="020B0004020202020204" pitchFamily="34" charset="0"/>
+                <a:ea typeface="Aptos" panose="020B0004020202020204" pitchFamily="34" charset="0"/>
+                <a:cs typeface="Arial" panose="020B0604020202020204" pitchFamily="34" charset="0"/>
+              </a:rPr>
+              <a:t>Credit rating refers to the activity of publishing an assessment of an borrower’s risk of default. The agency evaluates whether the borrower is solvent and will be able to repay their debt. To measure the risk of non-repayment, they construct financial forecasts that include the future structure of the borrower’s costs and revenues. It’s important not to confuse credit rating agencies with auditing firms that verify and certify company accounts.</a:t>
+            </a:r>
+            <a:endParaRPr lang="fr-FR" sz="1800" kern="100" dirty="0">
+              <a:effectLst/>
+              <a:latin typeface="Aptos" panose="020B0004020202020204" pitchFamily="34" charset="0"/>
+              <a:ea typeface="Aptos" panose="020B0004020202020204" pitchFamily="34" charset="0"/>
+              <a:cs typeface="Arial" panose="020B0604020202020204" pitchFamily="34" charset="0"/>
+            </a:endParaRPr>
+          </a:p>
+          <a:p>
+            <a:pPr>
+              <a:lnSpc>
+                <a:spcPct val="107000"/>
+              </a:lnSpc>
+              <a:spcAft>
+                <a:spcPts val="800"/>
+              </a:spcAft>
+            </a:pPr>
+            <a:r>
+              <a:rPr lang="en-US" sz="1800" kern="100" dirty="0">
+                <a:effectLst/>
+                <a:latin typeface="Aptos" panose="020B0004020202020204" pitchFamily="34" charset="0"/>
+                <a:ea typeface="Aptos" panose="020B0004020202020204" pitchFamily="34" charset="0"/>
+                <a:cs typeface="Arial" panose="020B0604020202020204" pitchFamily="34" charset="0"/>
+              </a:rPr>
+              <a:t>Key criteria used to assess financial risk include overall financial profitability, return on invested capital, debt levels, financial flexibility, and liquidity. More recently, non-quantitative criteria such as governance, corporate social responsibility, and strategy have also come into play.</a:t>
+            </a:r>
+            <a:endParaRPr lang="fr-FR" sz="1800" kern="100" dirty="0">
+              <a:effectLst/>
+              <a:latin typeface="Aptos" panose="020B0004020202020204" pitchFamily="34" charset="0"/>
+              <a:ea typeface="Aptos" panose="020B0004020202020204" pitchFamily="34" charset="0"/>
+              <a:cs typeface="Arial" panose="020B0604020202020204" pitchFamily="34" charset="0"/>
+            </a:endParaRPr>
+          </a:p>
+          <a:p>
+            <a:pPr>
+              <a:lnSpc>
+                <a:spcPct val="107000"/>
+              </a:lnSpc>
+              <a:spcAft>
+                <a:spcPts val="800"/>
+              </a:spcAft>
+            </a:pPr>
+            <a:r>
+              <a:rPr lang="en-US" sz="1800" kern="100" dirty="0">
+                <a:effectLst/>
+                <a:latin typeface="Aptos" panose="020B0004020202020204" pitchFamily="34" charset="0"/>
+                <a:ea typeface="Aptos" panose="020B0004020202020204" pitchFamily="34" charset="0"/>
+                <a:cs typeface="Arial" panose="020B0604020202020204" pitchFamily="34" charset="0"/>
+              </a:rPr>
+              <a:t>The three major rating agencies are of Anglo-Saxon origin and are rooted in that culture. This positioning is justified by the size and importance of Anglo-Saxon capital markets, but it can sometimes make it more difficult to account for regional particularities. For example, commitments related to employee pensions are classified by Anglo-Saxon accounting as loans or obligations, which may seem somewhat restrictive.</a:t>
+            </a:r>
+            <a:endParaRPr lang="fr-FR" sz="1800" kern="100" dirty="0">
+              <a:effectLst/>
+              <a:latin typeface="Aptos" panose="020B0004020202020204" pitchFamily="34" charset="0"/>
+              <a:ea typeface="Aptos" panose="020B0004020202020204" pitchFamily="34" charset="0"/>
+              <a:cs typeface="Arial" panose="020B0604020202020204" pitchFamily="34" charset="0"/>
+            </a:endParaRPr>
+          </a:p>
+          <a:p>
+            <a:pPr>
+              <a:lnSpc>
+                <a:spcPct val="107000"/>
+              </a:lnSpc>
+              <a:spcAft>
+                <a:spcPts val="800"/>
+              </a:spcAft>
+            </a:pPr>
+            <a:r>
+              <a:rPr lang="en-US" sz="1800" kern="100" dirty="0">
+                <a:effectLst/>
+                <a:latin typeface="Aptos" panose="020B0004020202020204" pitchFamily="34" charset="0"/>
+                <a:ea typeface="Aptos" panose="020B0004020202020204" pitchFamily="34" charset="0"/>
+                <a:cs typeface="Arial" panose="020B0604020202020204" pitchFamily="34" charset="0"/>
+              </a:rPr>
+              <a:t>Rating agencies play a critical role in financial markets, but they face significant scrutiny and regulatory challenges.</a:t>
+            </a:r>
+            <a:endParaRPr lang="fr-FR" sz="1800" kern="100" dirty="0">
+              <a:effectLst/>
+              <a:latin typeface="Aptos" panose="020B0004020202020204" pitchFamily="34" charset="0"/>
+              <a:ea typeface="Aptos" panose="020B0004020202020204" pitchFamily="34" charset="0"/>
+              <a:cs typeface="Arial" panose="020B0604020202020204" pitchFamily="34" charset="0"/>
+            </a:endParaRPr>
+          </a:p>
+          <a:p>
+            <a:pPr>
+              <a:lnSpc>
+                <a:spcPct val="107000"/>
+              </a:lnSpc>
+              <a:spcAft>
+                <a:spcPts val="800"/>
+              </a:spcAft>
+            </a:pPr>
+            <a:r>
+              <a:rPr lang="en-US" sz="1800" kern="100" dirty="0">
+                <a:effectLst/>
+                <a:latin typeface="Aptos" panose="020B0004020202020204" pitchFamily="34" charset="0"/>
+                <a:ea typeface="Aptos" panose="020B0004020202020204" pitchFamily="34" charset="0"/>
+                <a:cs typeface="Arial" panose="020B0604020202020204" pitchFamily="34" charset="0"/>
+              </a:rPr>
+              <a:t> </a:t>
+            </a:r>
+            <a:endParaRPr lang="fr-FR" sz="1800" kern="100" dirty="0">
+              <a:effectLst/>
+              <a:latin typeface="Aptos" panose="020B0004020202020204" pitchFamily="34" charset="0"/>
+              <a:ea typeface="Aptos" panose="020B0004020202020204" pitchFamily="34" charset="0"/>
+              <a:cs typeface="Arial" panose="020B0604020202020204" pitchFamily="34" charset="0"/>
+            </a:endParaRPr>
+          </a:p>
+          <a:p>
+            <a:endParaRPr lang="fr-FR" dirty="0"/>
+          </a:p>
+        </p:txBody>
+      </p:sp>
+      <p:sp>
+        <p:nvSpPr>
+          <p:cNvPr id="4" name="Espace réservé du numéro de diapositive 3"/>
+          <p:cNvSpPr>
+            <a:spLocks noGrp="1"/>
+          </p:cNvSpPr>
+          <p:nvPr>
+            <p:ph type="sldNum" sz="quarter" idx="5"/>
+          </p:nvPr>
+        </p:nvSpPr>
+        <p:spPr/>
+        <p:txBody>
+          <a:bodyPr/>
+          <a:lstStyle/>
+          <a:p>
+            <a:fld id="{36442E4D-59B4-4F94-8EF0-AE81CD3F9439}" type="slidenum">
+              <a:rPr lang="fr-FR" smtClean="0"/>
+              <a:t>3</a:t>
+            </a:fld>
+            <a:endParaRPr lang="fr-FR"/>
+          </a:p>
+        </p:txBody>
+      </p:sp>
+    </p:spTree>
+    <p:extLst>
+      <p:ext uri="{BB962C8B-B14F-4D97-AF65-F5344CB8AC3E}">
+        <p14:creationId xmlns:p14="http://schemas.microsoft.com/office/powerpoint/2010/main" val="938285209"/>
+      </p:ext>
+    </p:extLst>
+  </p:cSld>
+  <p:clrMapOvr>
+    <a:masterClrMapping/>
+  </p:clrMapOvr>
+</p:notes>
+</file>
+
 <file path=ppt/slideLayouts/slideLayout1.xml><?xml version="1.0" encoding="utf-8"?>
 <p:sldLayout xmlns:a="http://schemas.openxmlformats.org/drawingml/2006/main" xmlns:r="http://schemas.openxmlformats.org/officeDocument/2006/relationships" xmlns:p="http://schemas.openxmlformats.org/presentationml/2006/main" type="title" preserve="1">
   <p:cSld name="Title Slide">
@@ -440,7 +1319,7 @@
             <a:fld id="{8256C2ED-54A4-480D-B5C8-65C0D62359B9}" type="datetime2">
               <a:rPr lang="en-US" smtClean="0"/>
               <a:pPr/>
-              <a:t>Monday, October 7, 2024</a:t>
+              <a:t>Thursday, November 7, 2024</a:t>
             </a:fld>
             <a:endParaRPr lang="en-US" dirty="0"/>
           </a:p>
@@ -599,7 +1478,7 @@
           <a:p>
             <a:fld id="{53CF612A-4CB0-4F57-9A87-F049CECB184D}" type="datetime2">
               <a:rPr lang="en-US" smtClean="0"/>
-              <a:t>Monday, October 7, 2024</a:t>
+              <a:t>Thursday, November 7, 2024</a:t>
             </a:fld>
             <a:endParaRPr lang="en-US"/>
           </a:p>
@@ -820,7 +1699,7 @@
           <a:p>
             <a:fld id="{8F397F40-C8F7-4897-A6B8-241042F913A9}" type="datetime2">
               <a:rPr lang="en-US" smtClean="0"/>
-              <a:t>Monday, October 7, 2024</a:t>
+              <a:t>Thursday, November 7, 2024</a:t>
             </a:fld>
             <a:endParaRPr lang="en-US"/>
           </a:p>
@@ -1143,7 +2022,7 @@
             <a:fld id="{8256C2ED-54A4-480D-B5C8-65C0D62359B9}" type="datetime2">
               <a:rPr lang="en-US" smtClean="0"/>
               <a:pPr/>
-              <a:t>Monday, October 7, 2024</a:t>
+              <a:t>Thursday, November 7, 2024</a:t>
             </a:fld>
             <a:endParaRPr lang="en-US" dirty="0"/>
           </a:p>
@@ -1378,7 +2257,7 @@
           <a:p>
             <a:fld id="{10EDCA73-0A86-4195-A787-75037827079D}" type="datetime2">
               <a:rPr lang="en-US" smtClean="0"/>
-              <a:t>Monday, October 7, 2024</a:t>
+              <a:t>Thursday, November 7, 2024</a:t>
             </a:fld>
             <a:endParaRPr lang="en-US"/>
           </a:p>
@@ -1729,7 +2608,7 @@
           <a:p>
             <a:fld id="{83C75374-B296-498E-A935-80631EA9020D}" type="datetime2">
               <a:rPr lang="en-US" smtClean="0"/>
-              <a:t>Monday, October 7, 2024</a:t>
+              <a:t>Thursday, November 7, 2024</a:t>
             </a:fld>
             <a:endParaRPr lang="en-US"/>
           </a:p>
@@ -2169,7 +3048,7 @@
           <a:p>
             <a:fld id="{B098B728-214A-4ABC-8432-5B3A5A66A987}" type="datetime2">
               <a:rPr lang="en-US" smtClean="0"/>
-              <a:t>Monday, October 7, 2024</a:t>
+              <a:t>Thursday, November 7, 2024</a:t>
             </a:fld>
             <a:endParaRPr lang="en-US" dirty="0"/>
           </a:p>
@@ -2327,7 +3206,7 @@
           <a:p>
             <a:fld id="{015F02D0-6806-43AF-9888-2359BF40C204}" type="datetime2">
               <a:rPr lang="en-US" smtClean="0"/>
-              <a:t>Monday, October 7, 2024</a:t>
+              <a:t>Thursday, November 7, 2024</a:t>
             </a:fld>
             <a:endParaRPr lang="en-US"/>
           </a:p>
@@ -2451,7 +3330,7 @@
           <a:p>
             <a:fld id="{8EE14D2D-B1AF-4197-82D6-FC1F8BD05681}" type="datetime2">
               <a:rPr lang="en-US" smtClean="0"/>
-              <a:t>Monday, October 7, 2024</a:t>
+              <a:t>Thursday, November 7, 2024</a:t>
             </a:fld>
             <a:endParaRPr lang="en-US"/>
           </a:p>
@@ -2779,7 +3658,7 @@
           <a:p>
             <a:fld id="{98771CEB-9838-4245-91B8-EFBAFE2D8B44}" type="datetime2">
               <a:rPr lang="en-US" smtClean="0"/>
-              <a:t>Monday, October 7, 2024</a:t>
+              <a:t>Thursday, November 7, 2024</a:t>
             </a:fld>
             <a:endParaRPr lang="en-US"/>
           </a:p>
@@ -3087,7 +3966,7 @@
           <a:p>
             <a:fld id="{51D3F6BF-A585-41F8-88DF-7E5D069F892A}" type="datetime2">
               <a:rPr lang="en-US" smtClean="0"/>
-              <a:t>Monday, October 7, 2024</a:t>
+              <a:t>Thursday, November 7, 2024</a:t>
             </a:fld>
             <a:endParaRPr lang="en-US"/>
           </a:p>
@@ -3430,7 +4309,7 @@
             <a:fld id="{8256C2ED-54A4-480D-B5C8-65C0D62359B9}" type="datetime2">
               <a:rPr lang="en-US" smtClean="0"/>
               <a:pPr/>
-              <a:t>Monday, October 7, 2024</a:t>
+              <a:t>Thursday, November 7, 2024</a:t>
             </a:fld>
             <a:endParaRPr lang="en-US" dirty="0"/>
           </a:p>
@@ -4007,7 +4886,7 @@
           <p:nvPr/>
         </p:nvPicPr>
         <p:blipFill>
-          <a:blip r:embed="rId2"/>
+          <a:blip r:embed="rId3"/>
           <a:srcRect l="20036" r="15659"/>
           <a:stretch/>
         </p:blipFill>
@@ -4867,7 +5746,7 @@
           </p:nvPr>
         </p:nvPicPr>
         <p:blipFill>
-          <a:blip r:embed="rId2"/>
+          <a:blip r:embed="rId3"/>
           <a:stretch>
             <a:fillRect/>
           </a:stretch>
@@ -5440,7 +6319,7 @@
           </p:nvPr>
         </p:nvPicPr>
         <p:blipFill>
-          <a:blip r:embed="rId2"/>
+          <a:blip r:embed="rId3"/>
           <a:stretch>
             <a:fillRect/>
           </a:stretch>
@@ -6911,194 +7790,20 @@
           <a:lstStyle/>
           <a:p>
             <a:r>
-              <a:rPr lang="fr-FR" sz="1800" kern="100" dirty="0">
-                <a:effectLst/>
-                <a:latin typeface="Aptos" panose="020B0004020202020204" pitchFamily="34" charset="0"/>
-                <a:ea typeface="Aptos" panose="020B0004020202020204" pitchFamily="34" charset="0"/>
-                <a:cs typeface="Arial" panose="020B0604020202020204" pitchFamily="34" charset="0"/>
-              </a:rPr>
-              <a:t>Rating </a:t>
-            </a:r>
-            <a:r>
-              <a:rPr lang="fr-FR" sz="1800" kern="100" dirty="0" err="1">
-                <a:effectLst/>
-                <a:latin typeface="Aptos" panose="020B0004020202020204" pitchFamily="34" charset="0"/>
-                <a:ea typeface="Aptos" panose="020B0004020202020204" pitchFamily="34" charset="0"/>
-                <a:cs typeface="Arial" panose="020B0604020202020204" pitchFamily="34" charset="0"/>
-              </a:rPr>
-              <a:t>agencies</a:t>
-            </a:r>
-            <a:r>
-              <a:rPr lang="fr-FR" sz="1800" kern="100" dirty="0">
-                <a:effectLst/>
-                <a:latin typeface="Aptos" panose="020B0004020202020204" pitchFamily="34" charset="0"/>
-                <a:ea typeface="Aptos" panose="020B0004020202020204" pitchFamily="34" charset="0"/>
-                <a:cs typeface="Arial" panose="020B0604020202020204" pitchFamily="34" charset="0"/>
-              </a:rPr>
-              <a:t> </a:t>
-            </a:r>
-            <a:r>
-              <a:rPr lang="fr-FR" sz="1800" kern="100" dirty="0" err="1">
-                <a:effectLst/>
-                <a:latin typeface="Aptos" panose="020B0004020202020204" pitchFamily="34" charset="0"/>
-                <a:ea typeface="Aptos" panose="020B0004020202020204" pitchFamily="34" charset="0"/>
-                <a:cs typeface="Arial" panose="020B0604020202020204" pitchFamily="34" charset="0"/>
-              </a:rPr>
-              <a:t>play</a:t>
-            </a:r>
-            <a:r>
-              <a:rPr lang="fr-FR" sz="1800" kern="100" dirty="0">
-                <a:effectLst/>
-                <a:latin typeface="Aptos" panose="020B0004020202020204" pitchFamily="34" charset="0"/>
-                <a:ea typeface="Aptos" panose="020B0004020202020204" pitchFamily="34" charset="0"/>
-                <a:cs typeface="Arial" panose="020B0604020202020204" pitchFamily="34" charset="0"/>
-              </a:rPr>
-              <a:t> a </a:t>
-            </a:r>
-            <a:r>
-              <a:rPr lang="fr-FR" sz="1800" kern="100" dirty="0" err="1">
-                <a:effectLst/>
-                <a:latin typeface="Aptos" panose="020B0004020202020204" pitchFamily="34" charset="0"/>
-                <a:ea typeface="Aptos" panose="020B0004020202020204" pitchFamily="34" charset="0"/>
-                <a:cs typeface="Arial" panose="020B0604020202020204" pitchFamily="34" charset="0"/>
-              </a:rPr>
-              <a:t>critical</a:t>
-            </a:r>
-            <a:r>
-              <a:rPr lang="fr-FR" sz="1800" kern="100" dirty="0">
-                <a:effectLst/>
-                <a:latin typeface="Aptos" panose="020B0004020202020204" pitchFamily="34" charset="0"/>
-                <a:ea typeface="Aptos" panose="020B0004020202020204" pitchFamily="34" charset="0"/>
-                <a:cs typeface="Arial" panose="020B0604020202020204" pitchFamily="34" charset="0"/>
-              </a:rPr>
-              <a:t> </a:t>
-            </a:r>
-            <a:r>
-              <a:rPr lang="fr-FR" sz="1800" kern="100" dirty="0" err="1">
-                <a:effectLst/>
-                <a:latin typeface="Aptos" panose="020B0004020202020204" pitchFamily="34" charset="0"/>
-                <a:ea typeface="Aptos" panose="020B0004020202020204" pitchFamily="34" charset="0"/>
-                <a:cs typeface="Arial" panose="020B0604020202020204" pitchFamily="34" charset="0"/>
-              </a:rPr>
-              <a:t>role</a:t>
-            </a:r>
-            <a:r>
-              <a:rPr lang="fr-FR" sz="1800" kern="100" dirty="0">
-                <a:effectLst/>
-                <a:latin typeface="Aptos" panose="020B0004020202020204" pitchFamily="34" charset="0"/>
-                <a:ea typeface="Aptos" panose="020B0004020202020204" pitchFamily="34" charset="0"/>
-                <a:cs typeface="Arial" panose="020B0604020202020204" pitchFamily="34" charset="0"/>
-              </a:rPr>
-              <a:t> in </a:t>
-            </a:r>
-            <a:r>
-              <a:rPr lang="fr-FR" sz="1800" kern="100" dirty="0" err="1">
-                <a:effectLst/>
-                <a:latin typeface="Aptos" panose="020B0004020202020204" pitchFamily="34" charset="0"/>
-                <a:ea typeface="Aptos" panose="020B0004020202020204" pitchFamily="34" charset="0"/>
-                <a:cs typeface="Arial" panose="020B0604020202020204" pitchFamily="34" charset="0"/>
-              </a:rPr>
-              <a:t>financial</a:t>
-            </a:r>
-            <a:r>
-              <a:rPr lang="fr-FR" sz="1800" kern="100" dirty="0">
-                <a:effectLst/>
-                <a:latin typeface="Aptos" panose="020B0004020202020204" pitchFamily="34" charset="0"/>
-                <a:ea typeface="Aptos" panose="020B0004020202020204" pitchFamily="34" charset="0"/>
-                <a:cs typeface="Arial" panose="020B0604020202020204" pitchFamily="34" charset="0"/>
-              </a:rPr>
-              <a:t> </a:t>
-            </a:r>
-            <a:r>
-              <a:rPr lang="fr-FR" sz="1800" kern="100" dirty="0" err="1">
-                <a:effectLst/>
-                <a:latin typeface="Aptos" panose="020B0004020202020204" pitchFamily="34" charset="0"/>
-                <a:ea typeface="Aptos" panose="020B0004020202020204" pitchFamily="34" charset="0"/>
-                <a:cs typeface="Arial" panose="020B0604020202020204" pitchFamily="34" charset="0"/>
-              </a:rPr>
-              <a:t>markets</a:t>
-            </a:r>
-            <a:r>
-              <a:rPr lang="fr-FR" sz="1800" kern="100" dirty="0">
-                <a:effectLst/>
-                <a:latin typeface="Aptos" panose="020B0004020202020204" pitchFamily="34" charset="0"/>
-                <a:ea typeface="Aptos" panose="020B0004020202020204" pitchFamily="34" charset="0"/>
-                <a:cs typeface="Arial" panose="020B0604020202020204" pitchFamily="34" charset="0"/>
-              </a:rPr>
-              <a:t>, but </a:t>
-            </a:r>
-            <a:r>
-              <a:rPr lang="fr-FR" sz="1800" kern="100" dirty="0" err="1">
-                <a:effectLst/>
-                <a:latin typeface="Aptos" panose="020B0004020202020204" pitchFamily="34" charset="0"/>
-                <a:ea typeface="Aptos" panose="020B0004020202020204" pitchFamily="34" charset="0"/>
-                <a:cs typeface="Arial" panose="020B0604020202020204" pitchFamily="34" charset="0"/>
-              </a:rPr>
-              <a:t>they</a:t>
-            </a:r>
-            <a:r>
-              <a:rPr lang="fr-FR" sz="1800" kern="100" dirty="0">
-                <a:effectLst/>
-                <a:latin typeface="Aptos" panose="020B0004020202020204" pitchFamily="34" charset="0"/>
-                <a:ea typeface="Aptos" panose="020B0004020202020204" pitchFamily="34" charset="0"/>
-                <a:cs typeface="Arial" panose="020B0604020202020204" pitchFamily="34" charset="0"/>
-              </a:rPr>
-              <a:t> face </a:t>
-            </a:r>
-            <a:r>
-              <a:rPr lang="fr-FR" sz="1800" kern="100" dirty="0" err="1">
-                <a:effectLst/>
-                <a:latin typeface="Aptos" panose="020B0004020202020204" pitchFamily="34" charset="0"/>
-                <a:ea typeface="Aptos" panose="020B0004020202020204" pitchFamily="34" charset="0"/>
-                <a:cs typeface="Arial" panose="020B0604020202020204" pitchFamily="34" charset="0"/>
-              </a:rPr>
-              <a:t>significant</a:t>
-            </a:r>
-            <a:r>
-              <a:rPr lang="fr-FR" sz="1800" kern="100" dirty="0">
-                <a:effectLst/>
-                <a:latin typeface="Aptos" panose="020B0004020202020204" pitchFamily="34" charset="0"/>
-                <a:ea typeface="Aptos" panose="020B0004020202020204" pitchFamily="34" charset="0"/>
-                <a:cs typeface="Arial" panose="020B0604020202020204" pitchFamily="34" charset="0"/>
-              </a:rPr>
-              <a:t> </a:t>
-            </a:r>
-            <a:r>
-              <a:rPr lang="fr-FR" sz="1800" kern="100" dirty="0" err="1">
-                <a:effectLst/>
-                <a:latin typeface="Aptos" panose="020B0004020202020204" pitchFamily="34" charset="0"/>
-                <a:ea typeface="Aptos" panose="020B0004020202020204" pitchFamily="34" charset="0"/>
-                <a:cs typeface="Arial" panose="020B0604020202020204" pitchFamily="34" charset="0"/>
-              </a:rPr>
-              <a:t>scrutiny</a:t>
-            </a:r>
-            <a:r>
-              <a:rPr lang="fr-FR" sz="1800" kern="100" dirty="0">
-                <a:effectLst/>
-                <a:latin typeface="Aptos" panose="020B0004020202020204" pitchFamily="34" charset="0"/>
-                <a:ea typeface="Aptos" panose="020B0004020202020204" pitchFamily="34" charset="0"/>
-                <a:cs typeface="Arial" panose="020B0604020202020204" pitchFamily="34" charset="0"/>
-              </a:rPr>
-              <a:t> and </a:t>
-            </a:r>
-            <a:r>
-              <a:rPr lang="fr-FR" sz="1800" kern="100" dirty="0" err="1">
-                <a:effectLst/>
-                <a:latin typeface="Aptos" panose="020B0004020202020204" pitchFamily="34" charset="0"/>
-                <a:ea typeface="Aptos" panose="020B0004020202020204" pitchFamily="34" charset="0"/>
-                <a:cs typeface="Arial" panose="020B0604020202020204" pitchFamily="34" charset="0"/>
-              </a:rPr>
-              <a:t>regulatory</a:t>
-            </a:r>
-            <a:r>
-              <a:rPr lang="fr-FR" sz="1800" kern="100" dirty="0">
-                <a:effectLst/>
-                <a:latin typeface="Aptos" panose="020B0004020202020204" pitchFamily="34" charset="0"/>
-                <a:ea typeface="Aptos" panose="020B0004020202020204" pitchFamily="34" charset="0"/>
-                <a:cs typeface="Arial" panose="020B0604020202020204" pitchFamily="34" charset="0"/>
-              </a:rPr>
-              <a:t> challenges.</a:t>
-            </a:r>
+              <a:rPr lang="en-US" sz="1800" kern="100" dirty="0">
+                <a:effectLst/>
+                <a:latin typeface="Aptos" panose="020B0004020202020204" pitchFamily="34" charset="0"/>
+                <a:ea typeface="Aptos" panose="020B0004020202020204" pitchFamily="34" charset="0"/>
+                <a:cs typeface="Arial" panose="020B0604020202020204" pitchFamily="34" charset="0"/>
+              </a:rPr>
+              <a:t>"Following the 2008 crisis, the European Union implemented regulations in 2010 to enhance oversight of rating agencies, requiring them to register in their operating countries and to publicly disclose their models, methodologies, and key assumptions."</a:t>
+            </a:r>
+            <a:endParaRPr lang="fr-FR" sz="1800" kern="100" dirty="0">
+              <a:effectLst/>
+              <a:latin typeface="Aptos" panose="020B0004020202020204" pitchFamily="34" charset="0"/>
+              <a:ea typeface="Aptos" panose="020B0004020202020204" pitchFamily="34" charset="0"/>
+              <a:cs typeface="Arial" panose="020B0604020202020204" pitchFamily="34" charset="0"/>
+            </a:endParaRPr>
           </a:p>
         </p:txBody>
       </p:sp>
@@ -7283,4 +7988,319 @@
     </a:ext>
   </a:extLst>
 </a:theme>
+</file>
+
+<file path=ppt/theme/theme2.xml><?xml version="1.0" encoding="utf-8"?>
+<a:theme xmlns:a="http://schemas.openxmlformats.org/drawingml/2006/main" name="Thème Office">
+  <a:themeElements>
+    <a:clrScheme name="Office">
+      <a:dk1>
+        <a:sysClr val="windowText" lastClr="000000"/>
+      </a:dk1>
+      <a:lt1>
+        <a:sysClr val="window" lastClr="FFFFFF"/>
+      </a:lt1>
+      <a:dk2>
+        <a:srgbClr val="0E2841"/>
+      </a:dk2>
+      <a:lt2>
+        <a:srgbClr val="E8E8E8"/>
+      </a:lt2>
+      <a:accent1>
+        <a:srgbClr val="156082"/>
+      </a:accent1>
+      <a:accent2>
+        <a:srgbClr val="E97132"/>
+      </a:accent2>
+      <a:accent3>
+        <a:srgbClr val="196B24"/>
+      </a:accent3>
+      <a:accent4>
+        <a:srgbClr val="0F9ED5"/>
+      </a:accent4>
+      <a:accent5>
+        <a:srgbClr val="A02B93"/>
+      </a:accent5>
+      <a:accent6>
+        <a:srgbClr val="4EA72E"/>
+      </a:accent6>
+      <a:hlink>
+        <a:srgbClr val="467886"/>
+      </a:hlink>
+      <a:folHlink>
+        <a:srgbClr val="96607D"/>
+      </a:folHlink>
+    </a:clrScheme>
+    <a:fontScheme name="Office">
+      <a:majorFont>
+        <a:latin typeface="Aptos Display" panose="02110004020202020204"/>
+        <a:ea typeface=""/>
+        <a:cs typeface=""/>
+        <a:font script="Jpan" typeface="游ゴシック Light"/>
+        <a:font script="Hang" typeface="맑은 고딕"/>
+        <a:font script="Hans" typeface="等线 Light"/>
+        <a:font script="Hant" typeface="新細明體"/>
+        <a:font script="Arab" typeface="Times New Roman"/>
+        <a:font script="Hebr" typeface="Times New Roman"/>
+        <a:font script="Thai" typeface="Angsana New"/>
+        <a:font script="Ethi" typeface="Nyala"/>
+        <a:font script="Beng" typeface="Vrinda"/>
+        <a:font script="Gujr" typeface="Shruti"/>
+        <a:font script="Khmr" typeface="MoolBoran"/>
+        <a:font script="Knda" typeface="Tunga"/>
+        <a:font script="Guru" typeface="Raavi"/>
+        <a:font script="Cans" typeface="Euphemia"/>
+        <a:font script="Cher" typeface="Plantagenet Cherokee"/>
+        <a:font script="Yiii" typeface="Microsoft Yi Baiti"/>
+        <a:font script="Tibt" typeface="Microsoft Himalaya"/>
+        <a:font script="Thaa" typeface="MV Boli"/>
+        <a:font script="Deva" typeface="Mangal"/>
+        <a:font script="Telu" typeface="Gautami"/>
+        <a:font script="Taml" typeface="Latha"/>
+        <a:font script="Syrc" typeface="Estrangelo Edessa"/>
+        <a:font script="Orya" typeface="Kalinga"/>
+        <a:font script="Mlym" typeface="Kartika"/>
+        <a:font script="Laoo" typeface="DokChampa"/>
+        <a:font script="Sinh" typeface="Iskoola Pota"/>
+        <a:font script="Mong" typeface="Mongolian Baiti"/>
+        <a:font script="Viet" typeface="Times New Roman"/>
+        <a:font script="Uigh" typeface="Microsoft Uighur"/>
+        <a:font script="Geor" typeface="Sylfaen"/>
+        <a:font script="Armn" typeface="Arial"/>
+        <a:font script="Bugi" typeface="Leelawadee UI"/>
+        <a:font script="Bopo" typeface="Microsoft JhengHei"/>
+        <a:font script="Java" typeface="Javanese Text"/>
+        <a:font script="Lisu" typeface="Segoe UI"/>
+        <a:font script="Mymr" typeface="Myanmar Text"/>
+        <a:font script="Nkoo" typeface="Ebrima"/>
+        <a:font script="Olck" typeface="Nirmala UI"/>
+        <a:font script="Osma" typeface="Ebrima"/>
+        <a:font script="Phag" typeface="Phagspa"/>
+        <a:font script="Syrn" typeface="Estrangelo Edessa"/>
+        <a:font script="Syrj" typeface="Estrangelo Edessa"/>
+        <a:font script="Syre" typeface="Estrangelo Edessa"/>
+        <a:font script="Sora" typeface="Nirmala UI"/>
+        <a:font script="Tale" typeface="Microsoft Tai Le"/>
+        <a:font script="Talu" typeface="Microsoft New Tai Lue"/>
+        <a:font script="Tfng" typeface="Ebrima"/>
+      </a:majorFont>
+      <a:minorFont>
+        <a:latin typeface="Aptos" panose="02110004020202020204"/>
+        <a:ea typeface=""/>
+        <a:cs typeface=""/>
+        <a:font script="Jpan" typeface="游ゴシック"/>
+        <a:font script="Hang" typeface="맑은 고딕"/>
+        <a:font script="Hans" typeface="等线"/>
+        <a:font script="Hant" typeface="新細明體"/>
+        <a:font script="Arab" typeface="Arial"/>
+        <a:font script="Hebr" typeface="Arial"/>
+        <a:font script="Thai" typeface="Cordia New"/>
+        <a:font script="Ethi" typeface="Nyala"/>
+        <a:font script="Beng" typeface="Vrinda"/>
+        <a:font script="Gujr" typeface="Shruti"/>
+        <a:font script="Khmr" typeface="DaunPenh"/>
+        <a:font script="Knda" typeface="Tunga"/>
+        <a:font script="Guru" typeface="Raavi"/>
+        <a:font script="Cans" typeface="Euphemia"/>
+        <a:font script="Cher" typeface="Plantagenet Cherokee"/>
+        <a:font script="Yiii" typeface="Microsoft Yi Baiti"/>
+        <a:font script="Tibt" typeface="Microsoft Himalaya"/>
+        <a:font script="Thaa" typeface="MV Boli"/>
+        <a:font script="Deva" typeface="Mangal"/>
+        <a:font script="Telu" typeface="Gautami"/>
+        <a:font script="Taml" typeface="Latha"/>
+        <a:font script="Syrc" typeface="Estrangelo Edessa"/>
+        <a:font script="Orya" typeface="Kalinga"/>
+        <a:font script="Mlym" typeface="Kartika"/>
+        <a:font script="Laoo" typeface="DokChampa"/>
+        <a:font script="Sinh" typeface="Iskoola Pota"/>
+        <a:font script="Mong" typeface="Mongolian Baiti"/>
+        <a:font script="Viet" typeface="Arial"/>
+        <a:font script="Uigh" typeface="Microsoft Uighur"/>
+        <a:font script="Geor" typeface="Sylfaen"/>
+        <a:font script="Armn" typeface="Arial"/>
+        <a:font script="Bugi" typeface="Leelawadee UI"/>
+        <a:font script="Bopo" typeface="Microsoft JhengHei"/>
+        <a:font script="Java" typeface="Javanese Text"/>
+        <a:font script="Lisu" typeface="Segoe UI"/>
+        <a:font script="Mymr" typeface="Myanmar Text"/>
+        <a:font script="Nkoo" typeface="Ebrima"/>
+        <a:font script="Olck" typeface="Nirmala UI"/>
+        <a:font script="Osma" typeface="Ebrima"/>
+        <a:font script="Phag" typeface="Phagspa"/>
+        <a:font script="Syrn" typeface="Estrangelo Edessa"/>
+        <a:font script="Syrj" typeface="Estrangelo Edessa"/>
+        <a:font script="Syre" typeface="Estrangelo Edessa"/>
+        <a:font script="Sora" typeface="Nirmala UI"/>
+        <a:font script="Tale" typeface="Microsoft Tai Le"/>
+        <a:font script="Talu" typeface="Microsoft New Tai Lue"/>
+        <a:font script="Tfng" typeface="Ebrima"/>
+      </a:minorFont>
+    </a:fontScheme>
+    <a:fmtScheme name="Office">
+      <a:fillStyleLst>
+        <a:solidFill>
+          <a:schemeClr val="phClr"/>
+        </a:solidFill>
+        <a:gradFill rotWithShape="1">
+          <a:gsLst>
+            <a:gs pos="0">
+              <a:schemeClr val="phClr">
+                <a:lumMod val="110000"/>
+                <a:satMod val="105000"/>
+                <a:tint val="67000"/>
+              </a:schemeClr>
+            </a:gs>
+            <a:gs pos="50000">
+              <a:schemeClr val="phClr">
+                <a:lumMod val="105000"/>
+                <a:satMod val="103000"/>
+                <a:tint val="73000"/>
+              </a:schemeClr>
+            </a:gs>
+            <a:gs pos="100000">
+              <a:schemeClr val="phClr">
+                <a:lumMod val="105000"/>
+                <a:satMod val="109000"/>
+                <a:tint val="81000"/>
+              </a:schemeClr>
+            </a:gs>
+          </a:gsLst>
+          <a:lin ang="5400000" scaled="0"/>
+        </a:gradFill>
+        <a:gradFill rotWithShape="1">
+          <a:gsLst>
+            <a:gs pos="0">
+              <a:schemeClr val="phClr">
+                <a:satMod val="103000"/>
+                <a:lumMod val="102000"/>
+                <a:tint val="94000"/>
+              </a:schemeClr>
+            </a:gs>
+            <a:gs pos="50000">
+              <a:schemeClr val="phClr">
+                <a:satMod val="110000"/>
+                <a:lumMod val="100000"/>
+                <a:shade val="100000"/>
+              </a:schemeClr>
+            </a:gs>
+            <a:gs pos="100000">
+              <a:schemeClr val="phClr">
+                <a:lumMod val="99000"/>
+                <a:satMod val="120000"/>
+                <a:shade val="78000"/>
+              </a:schemeClr>
+            </a:gs>
+          </a:gsLst>
+          <a:lin ang="5400000" scaled="0"/>
+        </a:gradFill>
+      </a:fillStyleLst>
+      <a:lnStyleLst>
+        <a:ln w="12700" cap="flat" cmpd="sng" algn="ctr">
+          <a:solidFill>
+            <a:schemeClr val="phClr"/>
+          </a:solidFill>
+          <a:prstDash val="solid"/>
+          <a:miter lim="800000"/>
+        </a:ln>
+        <a:ln w="19050" cap="flat" cmpd="sng" algn="ctr">
+          <a:solidFill>
+            <a:schemeClr val="phClr"/>
+          </a:solidFill>
+          <a:prstDash val="solid"/>
+          <a:miter lim="800000"/>
+        </a:ln>
+        <a:ln w="25400" cap="flat" cmpd="sng" algn="ctr">
+          <a:solidFill>
+            <a:schemeClr val="phClr"/>
+          </a:solidFill>
+          <a:prstDash val="solid"/>
+          <a:miter lim="800000"/>
+        </a:ln>
+      </a:lnStyleLst>
+      <a:effectStyleLst>
+        <a:effectStyle>
+          <a:effectLst/>
+        </a:effectStyle>
+        <a:effectStyle>
+          <a:effectLst/>
+        </a:effectStyle>
+        <a:effectStyle>
+          <a:effectLst>
+            <a:outerShdw blurRad="57150" dist="19050" dir="5400000" algn="ctr" rotWithShape="0">
+              <a:srgbClr val="000000">
+                <a:alpha val="63000"/>
+              </a:srgbClr>
+            </a:outerShdw>
+          </a:effectLst>
+        </a:effectStyle>
+      </a:effectStyleLst>
+      <a:bgFillStyleLst>
+        <a:solidFill>
+          <a:schemeClr val="phClr"/>
+        </a:solidFill>
+        <a:solidFill>
+          <a:schemeClr val="phClr">
+            <a:tint val="95000"/>
+            <a:satMod val="170000"/>
+          </a:schemeClr>
+        </a:solidFill>
+        <a:gradFill rotWithShape="1">
+          <a:gsLst>
+            <a:gs pos="0">
+              <a:schemeClr val="phClr">
+                <a:tint val="93000"/>
+                <a:satMod val="150000"/>
+                <a:shade val="98000"/>
+                <a:lumMod val="102000"/>
+              </a:schemeClr>
+            </a:gs>
+            <a:gs pos="50000">
+              <a:schemeClr val="phClr">
+                <a:tint val="98000"/>
+                <a:satMod val="130000"/>
+                <a:shade val="90000"/>
+                <a:lumMod val="103000"/>
+              </a:schemeClr>
+            </a:gs>
+            <a:gs pos="100000">
+              <a:schemeClr val="phClr">
+                <a:shade val="63000"/>
+                <a:satMod val="120000"/>
+              </a:schemeClr>
+            </a:gs>
+          </a:gsLst>
+          <a:lin ang="5400000" scaled="0"/>
+        </a:gradFill>
+      </a:bgFillStyleLst>
+    </a:fmtScheme>
+  </a:themeElements>
+  <a:objectDefaults>
+    <a:lnDef>
+      <a:spPr/>
+      <a:bodyPr/>
+      <a:lstStyle/>
+      <a:style>
+        <a:lnRef idx="2">
+          <a:schemeClr val="accent1"/>
+        </a:lnRef>
+        <a:fillRef idx="0">
+          <a:schemeClr val="accent1"/>
+        </a:fillRef>
+        <a:effectRef idx="1">
+          <a:schemeClr val="accent1"/>
+        </a:effectRef>
+        <a:fontRef idx="minor">
+          <a:schemeClr val="tx1"/>
+        </a:fontRef>
+      </a:style>
+    </a:lnDef>
+  </a:objectDefaults>
+  <a:extraClrSchemeLst/>
+  <a:extLst>
+    <a:ext uri="{05A4C25C-085E-4340-85A3-A5531E510DB2}">
+      <thm15:themeFamily xmlns:thm15="http://schemas.microsoft.com/office/thememl/2012/main" name="Office Theme" id="{2E142A2C-CD16-42D6-873A-C26D2A0506FA}" vid="{1BDDFF52-6CD6-40A5-AB3C-68EB2F1E4D0A}"/>
+    </a:ext>
+  </a:extLst>
+</a:theme>
 </file>